--- a/Presentation.pptx
+++ b/Presentation.pptx
@@ -4,6 +4,9 @@
   <p:sldMasterIdLst>
     <p:sldMasterId id="2147483660" r:id="rId1"/>
   </p:sldMasterIdLst>
+  <p:notesMasterIdLst>
+    <p:notesMasterId r:id="rId9"/>
+  </p:notesMasterIdLst>
   <p:sldIdLst>
     <p:sldId id="256" r:id="rId2"/>
     <p:sldId id="264" r:id="rId3"/>
@@ -11,8 +14,7 @@
     <p:sldId id="260" r:id="rId5"/>
     <p:sldId id="261" r:id="rId6"/>
     <p:sldId id="259" r:id="rId7"/>
-    <p:sldId id="258" r:id="rId8"/>
-    <p:sldId id="263" r:id="rId9"/>
+    <p:sldId id="263" r:id="rId8"/>
   </p:sldIdLst>
   <p:sldSz cx="12192000" cy="6858000"/>
   <p:notesSz cx="6858000" cy="9144000"/>
@@ -111,7 +113,532 @@
       </a:defRPr>
     </a:lvl9pPr>
   </p:defaultTextStyle>
+  <p:extLst>
+    <p:ext uri="{EFAFB233-063F-42B5-8137-9DF3F51BA10A}">
+      <p15:sldGuideLst xmlns:p15="http://schemas.microsoft.com/office/powerpoint/2012/main"/>
+    </p:ext>
+  </p:extLst>
 </p:presentation>
+</file>
+
+<file path=ppt/notesMasters/notesMaster1.xml><?xml version="1.0" encoding="utf-8"?>
+<p:notesMaster xmlns:a="http://purl.oclc.org/ooxml/drawingml/main" xmlns:r="http://purl.oclc.org/ooxml/officeDocument/relationships" xmlns:p="http://purl.oclc.org/ooxml/presentationml/main">
+  <p:cSld>
+    <p:bg>
+      <p:bgRef idx="1001">
+        <a:schemeClr val="bg1"/>
+      </p:bgRef>
+    </p:bg>
+    <p:spTree>
+      <p:nvGrpSpPr>
+        <p:cNvPr id="1" name=""/>
+        <p:cNvGrpSpPr/>
+        <p:nvPr/>
+      </p:nvGrpSpPr>
+      <p:grpSpPr>
+        <a:xfrm>
+          <a:off x="0" y="0"/>
+          <a:ext cx="0" cy="0"/>
+          <a:chOff x="0" y="0"/>
+          <a:chExt cx="0" cy="0"/>
+        </a:xfrm>
+      </p:grpSpPr>
+      <p:sp>
+        <p:nvSpPr>
+          <p:cNvPr id="2" name="Kopfzeilenplatzhalter 1"/>
+          <p:cNvSpPr>
+            <a:spLocks noGrp="1"/>
+          </p:cNvSpPr>
+          <p:nvPr>
+            <p:ph type="hdr" sz="quarter"/>
+          </p:nvPr>
+        </p:nvSpPr>
+        <p:spPr>
+          <a:xfrm>
+            <a:off x="0" y="0"/>
+            <a:ext cx="2971800" cy="458788"/>
+          </a:xfrm>
+          <a:prstGeom prst="rect">
+            <a:avLst/>
+          </a:prstGeom>
+        </p:spPr>
+        <p:txBody>
+          <a:bodyPr vert="horz" lIns="91440" tIns="45720" rIns="91440" bIns="45720" rtlCol="0"/>
+          <a:lstStyle>
+            <a:lvl1pPr algn="l">
+              <a:defRPr sz="1200"/>
+            </a:lvl1pPr>
+          </a:lstStyle>
+          <a:p>
+            <a:endParaRPr lang="en-CH"/>
+          </a:p>
+        </p:txBody>
+      </p:sp>
+      <p:sp>
+        <p:nvSpPr>
+          <p:cNvPr id="3" name="Datumsplatzhalter 2"/>
+          <p:cNvSpPr>
+            <a:spLocks noGrp="1"/>
+          </p:cNvSpPr>
+          <p:nvPr>
+            <p:ph type="dt" idx="1"/>
+          </p:nvPr>
+        </p:nvSpPr>
+        <p:spPr>
+          <a:xfrm>
+            <a:off x="3884613" y="0"/>
+            <a:ext cx="2971800" cy="458788"/>
+          </a:xfrm>
+          <a:prstGeom prst="rect">
+            <a:avLst/>
+          </a:prstGeom>
+        </p:spPr>
+        <p:txBody>
+          <a:bodyPr vert="horz" lIns="91440" tIns="45720" rIns="91440" bIns="45720" rtlCol="0"/>
+          <a:lstStyle>
+            <a:lvl1pPr algn="r">
+              <a:defRPr sz="1200"/>
+            </a:lvl1pPr>
+          </a:lstStyle>
+          <a:p>
+            <a:fld id="{238C1AD7-969B-48AE-88C1-8E737A181543}" type="datetimeFigureOut">
+              <a:rPr lang="en-CH" smtClean="0"/>
+              <a:t>23/04/2018</a:t>
+            </a:fld>
+            <a:endParaRPr lang="en-CH"/>
+          </a:p>
+        </p:txBody>
+      </p:sp>
+      <p:sp>
+        <p:nvSpPr>
+          <p:cNvPr id="4" name="Folienbildplatzhalter 3"/>
+          <p:cNvSpPr>
+            <a:spLocks noGrp="1" noRot="1" noChangeAspect="1"/>
+          </p:cNvSpPr>
+          <p:nvPr>
+            <p:ph type="sldImg" idx="2"/>
+          </p:nvPr>
+        </p:nvSpPr>
+        <p:spPr>
+          <a:xfrm>
+            <a:off x="685800" y="1143000"/>
+            <a:ext cx="5486400" cy="3086100"/>
+          </a:xfrm>
+          <a:prstGeom prst="rect">
+            <a:avLst/>
+          </a:prstGeom>
+          <a:noFill/>
+          <a:ln w="12700">
+            <a:solidFill>
+              <a:prstClr val="black"/>
+            </a:solidFill>
+          </a:ln>
+        </p:spPr>
+        <p:txBody>
+          <a:bodyPr vert="horz" lIns="91440" tIns="45720" rIns="91440" bIns="45720" rtlCol="0" anchor="ctr"/>
+          <a:lstStyle/>
+          <a:p>
+            <a:endParaRPr lang="en-CH"/>
+          </a:p>
+        </p:txBody>
+      </p:sp>
+      <p:sp>
+        <p:nvSpPr>
+          <p:cNvPr id="5" name="Notizenplatzhalter 4"/>
+          <p:cNvSpPr>
+            <a:spLocks noGrp="1"/>
+          </p:cNvSpPr>
+          <p:nvPr>
+            <p:ph type="body" sz="quarter" idx="3"/>
+          </p:nvPr>
+        </p:nvSpPr>
+        <p:spPr>
+          <a:xfrm>
+            <a:off x="685800" y="4400550"/>
+            <a:ext cx="5486400" cy="3600450"/>
+          </a:xfrm>
+          <a:prstGeom prst="rect">
+            <a:avLst/>
+          </a:prstGeom>
+        </p:spPr>
+        <p:txBody>
+          <a:bodyPr vert="horz" lIns="91440" tIns="45720" rIns="91440" bIns="45720" rtlCol="0"/>
+          <a:lstStyle/>
+          <a:p>
+            <a:pPr lvl="0"/>
+            <a:r>
+              <a:rPr lang="de-DE"/>
+              <a:t>Mastertextformat bearbeiten</a:t>
+            </a:r>
+          </a:p>
+          <a:p>
+            <a:pPr lvl="1"/>
+            <a:r>
+              <a:rPr lang="de-DE"/>
+              <a:t>Zweite Ebene</a:t>
+            </a:r>
+          </a:p>
+          <a:p>
+            <a:pPr lvl="2"/>
+            <a:r>
+              <a:rPr lang="de-DE"/>
+              <a:t>Dritte Ebene</a:t>
+            </a:r>
+          </a:p>
+          <a:p>
+            <a:pPr lvl="3"/>
+            <a:r>
+              <a:rPr lang="de-DE"/>
+              <a:t>Vierte Ebene</a:t>
+            </a:r>
+          </a:p>
+          <a:p>
+            <a:pPr lvl="4"/>
+            <a:r>
+              <a:rPr lang="de-DE"/>
+              <a:t>Fünfte Ebene</a:t>
+            </a:r>
+            <a:endParaRPr lang="en-CH"/>
+          </a:p>
+        </p:txBody>
+      </p:sp>
+      <p:sp>
+        <p:nvSpPr>
+          <p:cNvPr id="6" name="Fußzeilenplatzhalter 5"/>
+          <p:cNvSpPr>
+            <a:spLocks noGrp="1"/>
+          </p:cNvSpPr>
+          <p:nvPr>
+            <p:ph type="ftr" sz="quarter" idx="4"/>
+          </p:nvPr>
+        </p:nvSpPr>
+        <p:spPr>
+          <a:xfrm>
+            <a:off x="0" y="8685213"/>
+            <a:ext cx="2971800" cy="458787"/>
+          </a:xfrm>
+          <a:prstGeom prst="rect">
+            <a:avLst/>
+          </a:prstGeom>
+        </p:spPr>
+        <p:txBody>
+          <a:bodyPr vert="horz" lIns="91440" tIns="45720" rIns="91440" bIns="45720" rtlCol="0" anchor="b"/>
+          <a:lstStyle>
+            <a:lvl1pPr algn="l">
+              <a:defRPr sz="1200"/>
+            </a:lvl1pPr>
+          </a:lstStyle>
+          <a:p>
+            <a:endParaRPr lang="en-CH"/>
+          </a:p>
+        </p:txBody>
+      </p:sp>
+      <p:sp>
+        <p:nvSpPr>
+          <p:cNvPr id="7" name="Foliennummernplatzhalter 6"/>
+          <p:cNvSpPr>
+            <a:spLocks noGrp="1"/>
+          </p:cNvSpPr>
+          <p:nvPr>
+            <p:ph type="sldNum" sz="quarter" idx="5"/>
+          </p:nvPr>
+        </p:nvSpPr>
+        <p:spPr>
+          <a:xfrm>
+            <a:off x="3884613" y="8685213"/>
+            <a:ext cx="2971800" cy="458787"/>
+          </a:xfrm>
+          <a:prstGeom prst="rect">
+            <a:avLst/>
+          </a:prstGeom>
+        </p:spPr>
+        <p:txBody>
+          <a:bodyPr vert="horz" lIns="91440" tIns="45720" rIns="91440" bIns="45720" rtlCol="0" anchor="b"/>
+          <a:lstStyle>
+            <a:lvl1pPr algn="r">
+              <a:defRPr sz="1200"/>
+            </a:lvl1pPr>
+          </a:lstStyle>
+          <a:p>
+            <a:fld id="{193C2EB2-A5C7-438A-A019-BC1C1303708E}" type="slidenum">
+              <a:rPr lang="en-CH" smtClean="0"/>
+              <a:t>‹Nr.›</a:t>
+            </a:fld>
+            <a:endParaRPr lang="en-CH"/>
+          </a:p>
+        </p:txBody>
+      </p:sp>
+    </p:spTree>
+    <p:extLst>
+      <p:ext uri="{BB962C8B-B14F-4D97-AF65-F5344CB8AC3E}">
+        <p14:creationId xmlns:p14="http://schemas.microsoft.com/office/powerpoint/2010/main" val="3713218225"/>
+      </p:ext>
+    </p:extLst>
+  </p:cSld>
+  <p:clrMap bg1="lt1" tx1="dk1" bg2="lt2" tx2="dk2" accent1="accent1" accent2="accent2" accent3="accent3" accent4="accent4" accent5="accent5" accent6="accent6" hlink="hlink" folHlink="folHlink"/>
+  <p:notesStyle>
+    <a:lvl1pPr marL="0" algn="l" defTabSz="914400" rtl="0" eaLnBrk="1" latinLnBrk="0" hangingPunct="1">
+      <a:defRPr sz="1200" kern="1200">
+        <a:solidFill>
+          <a:schemeClr val="tx1"/>
+        </a:solidFill>
+        <a:latin typeface="+mn-lt"/>
+        <a:ea typeface="+mn-ea"/>
+        <a:cs typeface="+mn-cs"/>
+      </a:defRPr>
+    </a:lvl1pPr>
+    <a:lvl2pPr marL="457200" algn="l" defTabSz="914400" rtl="0" eaLnBrk="1" latinLnBrk="0" hangingPunct="1">
+      <a:defRPr sz="1200" kern="1200">
+        <a:solidFill>
+          <a:schemeClr val="tx1"/>
+        </a:solidFill>
+        <a:latin typeface="+mn-lt"/>
+        <a:ea typeface="+mn-ea"/>
+        <a:cs typeface="+mn-cs"/>
+      </a:defRPr>
+    </a:lvl2pPr>
+    <a:lvl3pPr marL="914400" algn="l" defTabSz="914400" rtl="0" eaLnBrk="1" latinLnBrk="0" hangingPunct="1">
+      <a:defRPr sz="1200" kern="1200">
+        <a:solidFill>
+          <a:schemeClr val="tx1"/>
+        </a:solidFill>
+        <a:latin typeface="+mn-lt"/>
+        <a:ea typeface="+mn-ea"/>
+        <a:cs typeface="+mn-cs"/>
+      </a:defRPr>
+    </a:lvl3pPr>
+    <a:lvl4pPr marL="1371600" algn="l" defTabSz="914400" rtl="0" eaLnBrk="1" latinLnBrk="0" hangingPunct="1">
+      <a:defRPr sz="1200" kern="1200">
+        <a:solidFill>
+          <a:schemeClr val="tx1"/>
+        </a:solidFill>
+        <a:latin typeface="+mn-lt"/>
+        <a:ea typeface="+mn-ea"/>
+        <a:cs typeface="+mn-cs"/>
+      </a:defRPr>
+    </a:lvl4pPr>
+    <a:lvl5pPr marL="1828800" algn="l" defTabSz="914400" rtl="0" eaLnBrk="1" latinLnBrk="0" hangingPunct="1">
+      <a:defRPr sz="1200" kern="1200">
+        <a:solidFill>
+          <a:schemeClr val="tx1"/>
+        </a:solidFill>
+        <a:latin typeface="+mn-lt"/>
+        <a:ea typeface="+mn-ea"/>
+        <a:cs typeface="+mn-cs"/>
+      </a:defRPr>
+    </a:lvl5pPr>
+    <a:lvl6pPr marL="2286000" algn="l" defTabSz="914400" rtl="0" eaLnBrk="1" latinLnBrk="0" hangingPunct="1">
+      <a:defRPr sz="1200" kern="1200">
+        <a:solidFill>
+          <a:schemeClr val="tx1"/>
+        </a:solidFill>
+        <a:latin typeface="+mn-lt"/>
+        <a:ea typeface="+mn-ea"/>
+        <a:cs typeface="+mn-cs"/>
+      </a:defRPr>
+    </a:lvl6pPr>
+    <a:lvl7pPr marL="2743200" algn="l" defTabSz="914400" rtl="0" eaLnBrk="1" latinLnBrk="0" hangingPunct="1">
+      <a:defRPr sz="1200" kern="1200">
+        <a:solidFill>
+          <a:schemeClr val="tx1"/>
+        </a:solidFill>
+        <a:latin typeface="+mn-lt"/>
+        <a:ea typeface="+mn-ea"/>
+        <a:cs typeface="+mn-cs"/>
+      </a:defRPr>
+    </a:lvl7pPr>
+    <a:lvl8pPr marL="3200400" algn="l" defTabSz="914400" rtl="0" eaLnBrk="1" latinLnBrk="0" hangingPunct="1">
+      <a:defRPr sz="1200" kern="1200">
+        <a:solidFill>
+          <a:schemeClr val="tx1"/>
+        </a:solidFill>
+        <a:latin typeface="+mn-lt"/>
+        <a:ea typeface="+mn-ea"/>
+        <a:cs typeface="+mn-cs"/>
+      </a:defRPr>
+    </a:lvl8pPr>
+    <a:lvl9pPr marL="3657600" algn="l" defTabSz="914400" rtl="0" eaLnBrk="1" latinLnBrk="0" hangingPunct="1">
+      <a:defRPr sz="1200" kern="1200">
+        <a:solidFill>
+          <a:schemeClr val="tx1"/>
+        </a:solidFill>
+        <a:latin typeface="+mn-lt"/>
+        <a:ea typeface="+mn-ea"/>
+        <a:cs typeface="+mn-cs"/>
+      </a:defRPr>
+    </a:lvl9pPr>
+  </p:notesStyle>
+</p:notesMaster>
+</file>
+
+<file path=ppt/notesSlides/notesSlide1.xml><?xml version="1.0" encoding="utf-8"?>
+<p:notes xmlns:a="http://purl.oclc.org/ooxml/drawingml/main" xmlns:r="http://purl.oclc.org/ooxml/officeDocument/relationships" xmlns:p="http://purl.oclc.org/ooxml/presentationml/main">
+  <p:cSld>
+    <p:spTree>
+      <p:nvGrpSpPr>
+        <p:cNvPr id="1" name=""/>
+        <p:cNvGrpSpPr/>
+        <p:nvPr/>
+      </p:nvGrpSpPr>
+      <p:grpSpPr>
+        <a:xfrm>
+          <a:off x="0" y="0"/>
+          <a:ext cx="0" cy="0"/>
+          <a:chOff x="0" y="0"/>
+          <a:chExt cx="0" cy="0"/>
+        </a:xfrm>
+      </p:grpSpPr>
+      <p:sp>
+        <p:nvSpPr>
+          <p:cNvPr id="2" name="Folienbildplatzhalter 1"/>
+          <p:cNvSpPr>
+            <a:spLocks noGrp="1" noRot="1" noChangeAspect="1"/>
+          </p:cNvSpPr>
+          <p:nvPr>
+            <p:ph type="sldImg"/>
+          </p:nvPr>
+        </p:nvSpPr>
+        <p:spPr/>
+      </p:sp>
+      <p:sp>
+        <p:nvSpPr>
+          <p:cNvPr id="3" name="Notizenplatzhalter 2"/>
+          <p:cNvSpPr>
+            <a:spLocks noGrp="1"/>
+          </p:cNvSpPr>
+          <p:nvPr>
+            <p:ph type="body" idx="1"/>
+          </p:nvPr>
+        </p:nvSpPr>
+        <p:spPr/>
+        <p:txBody>
+          <a:bodyPr/>
+          <a:lstStyle/>
+          <a:p>
+            <a:r>
+              <a:rPr lang="en-GB" sz="1200" b="0" i="0" kern="1200" dirty="0">
+                <a:solidFill>
+                  <a:schemeClr val="tx1"/>
+                </a:solidFill>
+                <a:effectLst/>
+                <a:latin typeface="+mn-lt"/>
+                <a:ea typeface="+mn-ea"/>
+                <a:cs typeface="+mn-cs"/>
+              </a:rPr>
+              <a:t>The C parameter tells the SVM optimization how much you want to avoid misclassifying each training example. For large values of C, the optimization will choose a smaller-margin hyperplane if that hyperplane does a better job of getting all the training points classified correctly. Conversely, a very small value of C will cause the optimizer to look for a larger-margin separating hyperplane, even if that hyperplane misclassifies more points. For very tiny values of C, you should get misclassified examples, often even if your training data is linearly separable.</a:t>
+            </a:r>
+            <a:endParaRPr lang="en-CH" sz="1200" b="0" i="0" kern="1200" dirty="0">
+              <a:solidFill>
+                <a:schemeClr val="tx1"/>
+              </a:solidFill>
+              <a:effectLst/>
+              <a:latin typeface="+mn-lt"/>
+              <a:ea typeface="+mn-ea"/>
+              <a:cs typeface="+mn-cs"/>
+            </a:endParaRPr>
+          </a:p>
+          <a:p>
+            <a:endParaRPr lang="en-CH" sz="1200" b="0" i="0" kern="1200" dirty="0">
+              <a:solidFill>
+                <a:schemeClr val="tx1"/>
+              </a:solidFill>
+              <a:effectLst/>
+              <a:latin typeface="+mn-lt"/>
+              <a:ea typeface="+mn-ea"/>
+              <a:cs typeface="+mn-cs"/>
+            </a:endParaRPr>
+          </a:p>
+          <a:p>
+            <a:r>
+              <a:rPr lang="en-GB" sz="1200" b="0" i="0" kern="1200" dirty="0">
+                <a:solidFill>
+                  <a:schemeClr val="tx1"/>
+                </a:solidFill>
+                <a:effectLst/>
+                <a:latin typeface="+mn-lt"/>
+                <a:ea typeface="+mn-ea"/>
+                <a:cs typeface="+mn-cs"/>
+              </a:rPr>
+              <a:t>The gamma parameter defines how far the influence of a single training example reaches, with low values meaning ‘far’ and high values meaning ‘close’. The gamma parameters can be seen as the inverse of the radius of influence of samples selected by the model as support vectors.  If gamma is too large, the radius of the area of influence of the support vectors only includes the support vector itself and no amount of regularization with C will be able to prevent overfitting.</a:t>
+            </a:r>
+          </a:p>
+          <a:p>
+            <a:r>
+              <a:rPr lang="en-GB" sz="1200" b="0" i="0" kern="1200" dirty="0">
+                <a:solidFill>
+                  <a:schemeClr val="tx1"/>
+                </a:solidFill>
+                <a:effectLst/>
+                <a:latin typeface="+mn-lt"/>
+                <a:ea typeface="+mn-ea"/>
+                <a:cs typeface="+mn-cs"/>
+              </a:rPr>
+              <a:t>When gamma is very small, the model is too constrained and cannot capture the complexity or “shape” of the data. The region of influence of any selected support vector would include the whole training set. The resulting model will behave similarly to a linear model with a set of hyperplanes that separate the </a:t>
+            </a:r>
+            <a:r>
+              <a:rPr lang="en-GB" sz="1200" b="0" i="0" kern="1200" dirty="0" err="1">
+                <a:solidFill>
+                  <a:schemeClr val="tx1"/>
+                </a:solidFill>
+                <a:effectLst/>
+                <a:latin typeface="+mn-lt"/>
+                <a:ea typeface="+mn-ea"/>
+                <a:cs typeface="+mn-cs"/>
+              </a:rPr>
+              <a:t>centers</a:t>
+            </a:r>
+            <a:r>
+              <a:rPr lang="en-GB" sz="1200" b="0" i="0" kern="1200" dirty="0">
+                <a:solidFill>
+                  <a:schemeClr val="tx1"/>
+                </a:solidFill>
+                <a:effectLst/>
+                <a:latin typeface="+mn-lt"/>
+                <a:ea typeface="+mn-ea"/>
+                <a:cs typeface="+mn-cs"/>
+              </a:rPr>
+              <a:t> of high density of any pair of two classes</a:t>
+            </a:r>
+          </a:p>
+          <a:p>
+            <a:endParaRPr lang="en-CH" dirty="0"/>
+          </a:p>
+        </p:txBody>
+      </p:sp>
+      <p:sp>
+        <p:nvSpPr>
+          <p:cNvPr id="4" name="Foliennummernplatzhalter 3"/>
+          <p:cNvSpPr>
+            <a:spLocks noGrp="1"/>
+          </p:cNvSpPr>
+          <p:nvPr>
+            <p:ph type="sldNum" sz="quarter" idx="10"/>
+          </p:nvPr>
+        </p:nvSpPr>
+        <p:spPr/>
+        <p:txBody>
+          <a:bodyPr/>
+          <a:lstStyle/>
+          <a:p>
+            <a:fld id="{193C2EB2-A5C7-438A-A019-BC1C1303708E}" type="slidenum">
+              <a:rPr lang="en-CH" smtClean="0"/>
+              <a:t>4</a:t>
+            </a:fld>
+            <a:endParaRPr lang="en-CH"/>
+          </a:p>
+        </p:txBody>
+      </p:sp>
+    </p:spTree>
+    <p:extLst>
+      <p:ext uri="{BB962C8B-B14F-4D97-AF65-F5344CB8AC3E}">
+        <p14:creationId xmlns:p14="http://schemas.microsoft.com/office/powerpoint/2010/main" val="874562679"/>
+      </p:ext>
+    </p:extLst>
+  </p:cSld>
+  <p:clrMapOvr>
+    <a:masterClrMapping/>
+  </p:clrMapOvr>
+</p:notes>
 </file>
 
 <file path=ppt/slideLayouts/slideLayout1.xml><?xml version="1.0" encoding="utf-8"?>
@@ -6175,8 +6702,8 @@
         </p:nvSpPr>
         <p:spPr>
           <a:xfrm>
-            <a:off x="838200" y="2567355"/>
-            <a:ext cx="5867400" cy="3609608"/>
+            <a:off x="838201" y="2567355"/>
+            <a:ext cx="5448300" cy="3609608"/>
           </a:xfrm>
         </p:spPr>
         <p:txBody>
@@ -6403,64 +6930,12 @@
           <a:lstStyle/>
           <a:p>
             <a:r>
-              <a:rPr lang="de-DE" dirty="0"/>
-              <a:t>L</a:t>
+              <a:rPr lang="en-CH" dirty="0"/>
+              <a:t>Used </a:t>
             </a:r>
             <a:r>
               <a:rPr lang="en-CH" dirty="0" err="1"/>
-              <a:t>i</a:t>
-            </a:r>
-            <a:r>
-              <a:rPr lang="de-DE" dirty="0"/>
-              <a:t>b</a:t>
-            </a:r>
-            <a:r>
-              <a:rPr lang="en-CH" dirty="0"/>
-              <a:t>r</a:t>
-            </a:r>
-            <a:r>
-              <a:rPr lang="de-DE" dirty="0"/>
-              <a:t>a</a:t>
-            </a:r>
-            <a:r>
-              <a:rPr lang="en-CH" dirty="0"/>
-              <a:t>r</a:t>
-            </a:r>
-            <a:r>
-              <a:rPr lang="de-DE" dirty="0"/>
-              <a:t>y</a:t>
-            </a:r>
-            <a:r>
-              <a:rPr lang="en-CH" dirty="0"/>
-              <a:t> </a:t>
-            </a:r>
-            <a:r>
-              <a:rPr lang="de-DE" dirty="0"/>
-              <a:t>V</a:t>
-            </a:r>
-            <a:r>
-              <a:rPr lang="en-CH" dirty="0"/>
-              <a:t>e</a:t>
-            </a:r>
-            <a:r>
-              <a:rPr lang="de-DE" dirty="0"/>
-              <a:t>r</a:t>
-            </a:r>
-            <a:r>
-              <a:rPr lang="en-CH" dirty="0"/>
-              <a:t>s</a:t>
-            </a:r>
-            <a:r>
-              <a:rPr lang="de-DE" dirty="0"/>
-              <a:t>i</a:t>
-            </a:r>
-            <a:r>
-              <a:rPr lang="en-CH" dirty="0"/>
-              <a:t>o</a:t>
-            </a:r>
-            <a:r>
-              <a:rPr lang="de-DE" dirty="0"/>
-              <a:t>n</a:t>
+              <a:t>Libaries</a:t>
             </a:r>
             <a:endParaRPr lang="en-CH" dirty="0"/>
           </a:p>
@@ -6766,12 +7241,8 @@
               <a:t>i</a:t>
             </a:r>
             <a:r>
-              <a:rPr lang="en-CH" dirty="0" err="1"/>
-              <a:t>dSearch</a:t>
-            </a:r>
-            <a:r>
               <a:rPr lang="en-CH" dirty="0"/>
-              <a:t> </a:t>
+              <a:t>d Search </a:t>
             </a:r>
           </a:p>
         </p:txBody>
@@ -7086,7 +7557,7 @@
             </a:r>
             <a:r>
               <a:rPr lang="en-CH" dirty="0"/>
-              <a:t>d</a:t>
+              <a:t>d </a:t>
             </a:r>
             <a:r>
               <a:rPr lang="de-DE" dirty="0"/>
@@ -7403,10 +7874,25 @@
           <a:lstStyle/>
           <a:p>
             <a:r>
-              <a:rPr lang="en-CH" dirty="0" err="1"/>
-              <a:t>GridSearch</a:t>
-            </a:r>
-            <a:endParaRPr lang="en-CH" dirty="0"/>
+              <a:rPr lang="en-CH" dirty="0"/>
+              <a:t>Grid Search </a:t>
+            </a:r>
+            <a:r>
+              <a:rPr lang="de-DE" dirty="0"/>
+              <a:t>C</a:t>
+            </a:r>
+            <a:r>
+              <a:rPr lang="en-CH" dirty="0"/>
+              <a:t>o</a:t>
+            </a:r>
+            <a:r>
+              <a:rPr lang="de-DE" dirty="0"/>
+              <a:t>d</a:t>
+            </a:r>
+            <a:r>
+              <a:rPr lang="en-CH" dirty="0"/>
+              <a:t>e</a:t>
+            </a:r>
           </a:p>
         </p:txBody>
       </p:sp>
@@ -8585,129 +9071,6 @@
 </file>
 
 <file path=ppt/slides/slide7.xml><?xml version="1.0" encoding="utf-8"?>
-<p:sld xmlns:a="http://purl.oclc.org/ooxml/drawingml/main" xmlns:r="http://purl.oclc.org/ooxml/officeDocument/relationships" xmlns:p="http://purl.oclc.org/ooxml/presentationml/main">
-  <p:cSld>
-    <p:spTree>
-      <p:nvGrpSpPr>
-        <p:cNvPr id="1" name=""/>
-        <p:cNvGrpSpPr/>
-        <p:nvPr/>
-      </p:nvGrpSpPr>
-      <p:grpSpPr>
-        <a:xfrm>
-          <a:off x="0" y="0"/>
-          <a:ext cx="0" cy="0"/>
-          <a:chOff x="0" y="0"/>
-          <a:chExt cx="0" cy="0"/>
-        </a:xfrm>
-      </p:grpSpPr>
-      <p:sp>
-        <p:nvSpPr>
-          <p:cNvPr id="2" name="Titel 1">
-            <a:extLst>
-              <a:ext uri="{FF2B5EF4-FFF2-40B4-BE49-F238E27FC236}">
-                <a16:creationId xmlns:a16="http://schemas.microsoft.com/office/drawing/2014/main" id="{FBC89C3A-591C-415D-82B4-147F4071BCFB}"/>
-              </a:ext>
-            </a:extLst>
-          </p:cNvPr>
-          <p:cNvSpPr>
-            <a:spLocks noGrp="1"/>
-          </p:cNvSpPr>
-          <p:nvPr>
-            <p:ph type="title"/>
-          </p:nvPr>
-        </p:nvSpPr>
-        <p:spPr/>
-        <p:txBody>
-          <a:bodyPr/>
-          <a:lstStyle/>
-          <a:p>
-            <a:r>
-              <a:rPr lang="de-DE" dirty="0"/>
-              <a:t>O</a:t>
-            </a:r>
-            <a:r>
-              <a:rPr lang="en-CH" dirty="0"/>
-              <a:t>w</a:t>
-            </a:r>
-            <a:r>
-              <a:rPr lang="de-DE" dirty="0"/>
-              <a:t>n</a:t>
-            </a:r>
-            <a:r>
-              <a:rPr lang="en-CH" dirty="0"/>
-              <a:t> </a:t>
-            </a:r>
-            <a:r>
-              <a:rPr lang="de-DE" dirty="0"/>
-              <a:t>I</a:t>
-            </a:r>
-            <a:r>
-              <a:rPr lang="en-CH" dirty="0" err="1"/>
-              <a:t>mplementation</a:t>
-            </a:r>
-            <a:endParaRPr lang="en-CH" dirty="0"/>
-          </a:p>
-        </p:txBody>
-      </p:sp>
-      <p:sp>
-        <p:nvSpPr>
-          <p:cNvPr id="3" name="Inhaltsplatzhalter 2">
-            <a:extLst>
-              <a:ext uri="{FF2B5EF4-FFF2-40B4-BE49-F238E27FC236}">
-                <a16:creationId xmlns:a16="http://schemas.microsoft.com/office/drawing/2014/main" id="{A7E26940-A07C-4BC5-B007-36C2662611D0}"/>
-              </a:ext>
-            </a:extLst>
-          </p:cNvPr>
-          <p:cNvSpPr>
-            <a:spLocks noGrp="1"/>
-          </p:cNvSpPr>
-          <p:nvPr>
-            <p:ph idx="1"/>
-          </p:nvPr>
-        </p:nvSpPr>
-        <p:spPr/>
-        <p:txBody>
-          <a:bodyPr/>
-          <a:lstStyle/>
-          <a:p>
-            <a:r>
-              <a:rPr lang="de-DE" dirty="0"/>
-              <a:t>M</a:t>
-            </a:r>
-            <a:r>
-              <a:rPr lang="en-CH" dirty="0" err="1"/>
-              <a:t>i</a:t>
-            </a:r>
-            <a:r>
-              <a:rPr lang="de-DE" dirty="0"/>
-              <a:t>l</a:t>
-            </a:r>
-            <a:r>
-              <a:rPr lang="en-CH" dirty="0" err="1"/>
-              <a:t>i</a:t>
-            </a:r>
-            <a:r>
-              <a:rPr lang="en-CH" dirty="0"/>
-              <a:t>?</a:t>
-            </a:r>
-          </a:p>
-        </p:txBody>
-      </p:sp>
-    </p:spTree>
-    <p:extLst>
-      <p:ext uri="{BB962C8B-B14F-4D97-AF65-F5344CB8AC3E}">
-        <p14:creationId xmlns:p14="http://schemas.microsoft.com/office/powerpoint/2010/main" val="1794992250"/>
-      </p:ext>
-    </p:extLst>
-  </p:cSld>
-  <p:clrMapOvr>
-    <a:masterClrMapping/>
-  </p:clrMapOvr>
-</p:sld>
-</file>
-
-<file path=ppt/slides/slide8.xml><?xml version="1.0" encoding="utf-8"?>
 <p:sld xmlns:a="http://purl.oclc.org/ooxml/drawingml/main" xmlns:r="http://purl.oclc.org/ooxml/officeDocument/relationships" xmlns:p="http://purl.oclc.org/ooxml/presentationml/main">
   <p:cSld>
     <p:spTree>
@@ -9037,4 +9400,299 @@
     </a:ext>
   </a:extLst>
 </a:theme>
+</file>
+
+<file path=ppt/theme/theme2.xml><?xml version="1.0" encoding="utf-8"?>
+<a:theme xmlns:a="http://purl.oclc.org/ooxml/drawingml/main" name="Office">
+  <a:themeElements>
+    <a:clrScheme name="Office">
+      <a:dk1>
+        <a:sysClr val="windowText" lastClr="000000"/>
+      </a:dk1>
+      <a:lt1>
+        <a:sysClr val="window" lastClr="FFFFFF"/>
+      </a:lt1>
+      <a:dk2>
+        <a:srgbClr val="44546A"/>
+      </a:dk2>
+      <a:lt2>
+        <a:srgbClr val="E7E6E6"/>
+      </a:lt2>
+      <a:accent1>
+        <a:srgbClr val="4472C4"/>
+      </a:accent1>
+      <a:accent2>
+        <a:srgbClr val="ED7D31"/>
+      </a:accent2>
+      <a:accent3>
+        <a:srgbClr val="A5A5A5"/>
+      </a:accent3>
+      <a:accent4>
+        <a:srgbClr val="FFC000"/>
+      </a:accent4>
+      <a:accent5>
+        <a:srgbClr val="5B9BD5"/>
+      </a:accent5>
+      <a:accent6>
+        <a:srgbClr val="70AD47"/>
+      </a:accent6>
+      <a:hlink>
+        <a:srgbClr val="0563C1"/>
+      </a:hlink>
+      <a:folHlink>
+        <a:srgbClr val="954F72"/>
+      </a:folHlink>
+    </a:clrScheme>
+    <a:fontScheme name="Office">
+      <a:majorFont>
+        <a:latin typeface="Calibri Light" panose="020F0302020204030204"/>
+        <a:ea typeface=""/>
+        <a:cs typeface=""/>
+        <a:font script="Jpan" typeface="游ゴシック Light"/>
+        <a:font script="Hang" typeface="맑은 고딕"/>
+        <a:font script="Hans" typeface="等线 Light"/>
+        <a:font script="Hant" typeface="新細明體"/>
+        <a:font script="Arab" typeface="Times New Roman"/>
+        <a:font script="Hebr" typeface="Times New Roman"/>
+        <a:font script="Thai" typeface="Angsana New"/>
+        <a:font script="Ethi" typeface="Nyala"/>
+        <a:font script="Beng" typeface="Vrinda"/>
+        <a:font script="Gujr" typeface="Shruti"/>
+        <a:font script="Khmr" typeface="MoolBoran"/>
+        <a:font script="Knda" typeface="Tunga"/>
+        <a:font script="Guru" typeface="Raavi"/>
+        <a:font script="Cans" typeface="Euphemia"/>
+        <a:font script="Cher" typeface="Plantagenet Cherokee"/>
+        <a:font script="Yiii" typeface="Microsoft Yi Baiti"/>
+        <a:font script="Tibt" typeface="Microsoft Himalaya"/>
+        <a:font script="Thaa" typeface="MV Boli"/>
+        <a:font script="Deva" typeface="Mangal"/>
+        <a:font script="Telu" typeface="Gautami"/>
+        <a:font script="Taml" typeface="Latha"/>
+        <a:font script="Syrc" typeface="Estrangelo Edessa"/>
+        <a:font script="Orya" typeface="Kalinga"/>
+        <a:font script="Mlym" typeface="Kartika"/>
+        <a:font script="Laoo" typeface="DokChampa"/>
+        <a:font script="Sinh" typeface="Iskoola Pota"/>
+        <a:font script="Mong" typeface="Mongolian Baiti"/>
+        <a:font script="Viet" typeface="Times New Roman"/>
+        <a:font script="Uigh" typeface="Microsoft Uighur"/>
+        <a:font script="Geor" typeface="Sylfaen"/>
+        <a:font script="Armn" typeface="Arial"/>
+        <a:font script="Bugi" typeface="Leelawadee UI"/>
+        <a:font script="Bopo" typeface="Microsoft JhengHei"/>
+        <a:font script="Java" typeface="Javanese Text"/>
+        <a:font script="Lisu" typeface="Segoe UI"/>
+        <a:font script="Mymr" typeface="Myanmar Text"/>
+        <a:font script="Nkoo" typeface="Ebrima"/>
+        <a:font script="Olck" typeface="Nirmala UI"/>
+        <a:font script="Osma" typeface="Ebrima"/>
+        <a:font script="Phag" typeface="Phagspa"/>
+        <a:font script="Syrn" typeface="Estrangelo Edessa"/>
+        <a:font script="Syrj" typeface="Estrangelo Edessa"/>
+        <a:font script="Syre" typeface="Estrangelo Edessa"/>
+        <a:font script="Sora" typeface="Nirmala UI"/>
+        <a:font script="Tale" typeface="Microsoft Tai Le"/>
+        <a:font script="Talu" typeface="Microsoft New Tai Lue"/>
+        <a:font script="Tfng" typeface="Ebrima"/>
+      </a:majorFont>
+      <a:minorFont>
+        <a:latin typeface="Calibri" panose="020F0502020204030204"/>
+        <a:ea typeface=""/>
+        <a:cs typeface=""/>
+        <a:font script="Jpan" typeface="游ゴシック"/>
+        <a:font script="Hang" typeface="맑은 고딕"/>
+        <a:font script="Hans" typeface="等线"/>
+        <a:font script="Hant" typeface="新細明體"/>
+        <a:font script="Arab" typeface="Arial"/>
+        <a:font script="Hebr" typeface="Arial"/>
+        <a:font script="Thai" typeface="Cordia New"/>
+        <a:font script="Ethi" typeface="Nyala"/>
+        <a:font script="Beng" typeface="Vrinda"/>
+        <a:font script="Gujr" typeface="Shruti"/>
+        <a:font script="Khmr" typeface="DaunPenh"/>
+        <a:font script="Knda" typeface="Tunga"/>
+        <a:font script="Guru" typeface="Raavi"/>
+        <a:font script="Cans" typeface="Euphemia"/>
+        <a:font script="Cher" typeface="Plantagenet Cherokee"/>
+        <a:font script="Yiii" typeface="Microsoft Yi Baiti"/>
+        <a:font script="Tibt" typeface="Microsoft Himalaya"/>
+        <a:font script="Thaa" typeface="MV Boli"/>
+        <a:font script="Deva" typeface="Mangal"/>
+        <a:font script="Telu" typeface="Gautami"/>
+        <a:font script="Taml" typeface="Latha"/>
+        <a:font script="Syrc" typeface="Estrangelo Edessa"/>
+        <a:font script="Orya" typeface="Kalinga"/>
+        <a:font script="Mlym" typeface="Kartika"/>
+        <a:font script="Laoo" typeface="DokChampa"/>
+        <a:font script="Sinh" typeface="Iskoola Pota"/>
+        <a:font script="Mong" typeface="Mongolian Baiti"/>
+        <a:font script="Viet" typeface="Arial"/>
+        <a:font script="Uigh" typeface="Microsoft Uighur"/>
+        <a:font script="Geor" typeface="Sylfaen"/>
+        <a:font script="Armn" typeface="Arial"/>
+        <a:font script="Bugi" typeface="Leelawadee UI"/>
+        <a:font script="Bopo" typeface="Microsoft JhengHei"/>
+        <a:font script="Java" typeface="Javanese Text"/>
+        <a:font script="Lisu" typeface="Segoe UI"/>
+        <a:font script="Mymr" typeface="Myanmar Text"/>
+        <a:font script="Nkoo" typeface="Ebrima"/>
+        <a:font script="Olck" typeface="Nirmala UI"/>
+        <a:font script="Osma" typeface="Ebrima"/>
+        <a:font script="Phag" typeface="Phagspa"/>
+        <a:font script="Syrn" typeface="Estrangelo Edessa"/>
+        <a:font script="Syrj" typeface="Estrangelo Edessa"/>
+        <a:font script="Syre" typeface="Estrangelo Edessa"/>
+        <a:font script="Sora" typeface="Nirmala UI"/>
+        <a:font script="Tale" typeface="Microsoft Tai Le"/>
+        <a:font script="Talu" typeface="Microsoft New Tai Lue"/>
+        <a:font script="Tfng" typeface="Ebrima"/>
+      </a:minorFont>
+    </a:fontScheme>
+    <a:fmtScheme name="Office">
+      <a:fillStyleLst>
+        <a:solidFill>
+          <a:schemeClr val="phClr"/>
+        </a:solidFill>
+        <a:gradFill rotWithShape="1">
+          <a:gsLst>
+            <a:gs pos="0%">
+              <a:schemeClr val="phClr">
+                <a:lumMod val="110%"/>
+                <a:satMod val="105%"/>
+                <a:tint val="67%"/>
+              </a:schemeClr>
+            </a:gs>
+            <a:gs pos="50%">
+              <a:schemeClr val="phClr">
+                <a:lumMod val="105%"/>
+                <a:satMod val="103%"/>
+                <a:tint val="73%"/>
+              </a:schemeClr>
+            </a:gs>
+            <a:gs pos="100%">
+              <a:schemeClr val="phClr">
+                <a:lumMod val="105%"/>
+                <a:satMod val="109%"/>
+                <a:tint val="81%"/>
+              </a:schemeClr>
+            </a:gs>
+          </a:gsLst>
+          <a:lin ang="5400000" scaled="0"/>
+        </a:gradFill>
+        <a:gradFill rotWithShape="1">
+          <a:gsLst>
+            <a:gs pos="0%">
+              <a:schemeClr val="phClr">
+                <a:satMod val="103%"/>
+                <a:lumMod val="102%"/>
+                <a:tint val="94%"/>
+              </a:schemeClr>
+            </a:gs>
+            <a:gs pos="50%">
+              <a:schemeClr val="phClr">
+                <a:satMod val="110%"/>
+                <a:lumMod val="100%"/>
+                <a:shade val="100%"/>
+              </a:schemeClr>
+            </a:gs>
+            <a:gs pos="100%">
+              <a:schemeClr val="phClr">
+                <a:lumMod val="99%"/>
+                <a:satMod val="120%"/>
+                <a:shade val="78%"/>
+              </a:schemeClr>
+            </a:gs>
+          </a:gsLst>
+          <a:lin ang="5400000" scaled="0"/>
+        </a:gradFill>
+      </a:fillStyleLst>
+      <a:lnStyleLst>
+        <a:ln w="6350" cap="flat" cmpd="sng" algn="ctr">
+          <a:solidFill>
+            <a:schemeClr val="phClr"/>
+          </a:solidFill>
+          <a:prstDash val="solid"/>
+          <a:miter lim="800%"/>
+        </a:ln>
+        <a:ln w="12700" cap="flat" cmpd="sng" algn="ctr">
+          <a:solidFill>
+            <a:schemeClr val="phClr"/>
+          </a:solidFill>
+          <a:prstDash val="solid"/>
+          <a:miter lim="800%"/>
+        </a:ln>
+        <a:ln w="19050" cap="flat" cmpd="sng" algn="ctr">
+          <a:solidFill>
+            <a:schemeClr val="phClr"/>
+          </a:solidFill>
+          <a:prstDash val="solid"/>
+          <a:miter lim="800%"/>
+        </a:ln>
+      </a:lnStyleLst>
+      <a:effectStyleLst>
+        <a:effectStyle>
+          <a:effectLst/>
+        </a:effectStyle>
+        <a:effectStyle>
+          <a:effectLst/>
+        </a:effectStyle>
+        <a:effectStyle>
+          <a:effectLst>
+            <a:outerShdw blurRad="57150" dist="19050" dir="5400000" algn="ctr" rotWithShape="0">
+              <a:srgbClr val="000000">
+                <a:alpha val="63%"/>
+              </a:srgbClr>
+            </a:outerShdw>
+          </a:effectLst>
+        </a:effectStyle>
+      </a:effectStyleLst>
+      <a:bgFillStyleLst>
+        <a:solidFill>
+          <a:schemeClr val="phClr"/>
+        </a:solidFill>
+        <a:solidFill>
+          <a:schemeClr val="phClr">
+            <a:tint val="95%"/>
+            <a:satMod val="170%"/>
+          </a:schemeClr>
+        </a:solidFill>
+        <a:gradFill rotWithShape="1">
+          <a:gsLst>
+            <a:gs pos="0%">
+              <a:schemeClr val="phClr">
+                <a:tint val="93%"/>
+                <a:satMod val="150%"/>
+                <a:shade val="98%"/>
+                <a:lumMod val="102%"/>
+              </a:schemeClr>
+            </a:gs>
+            <a:gs pos="50%">
+              <a:schemeClr val="phClr">
+                <a:tint val="98%"/>
+                <a:satMod val="130%"/>
+                <a:shade val="90%"/>
+                <a:lumMod val="103%"/>
+              </a:schemeClr>
+            </a:gs>
+            <a:gs pos="100%">
+              <a:schemeClr val="phClr">
+                <a:shade val="63%"/>
+                <a:satMod val="120%"/>
+              </a:schemeClr>
+            </a:gs>
+          </a:gsLst>
+          <a:lin ang="5400000" scaled="0"/>
+        </a:gradFill>
+      </a:bgFillStyleLst>
+    </a:fmtScheme>
+  </a:themeElements>
+  <a:objectDefaults/>
+  <a:extraClrSchemeLst/>
+  <a:extLst>
+    <a:ext uri="{05A4C25C-085E-4340-85A3-A5531E510DB2}">
+      <thm15:themeFamily xmlns:thm15="http://schemas.microsoft.com/office/thememl/2012/main" name="Office Theme" id="{62F939B6-93AF-4DB8-9C6B-D6C7DFDC589F}" vid="{4A3C46E8-61CC-4603-A589-7422A47A8E4A}"/>
+    </a:ext>
+  </a:extLst>
+</a:theme>
 </file>